--- a/Campus Map Midterm Presentation.pptx
+++ b/Campus Map Midterm Presentation.pptx
@@ -110,6 +110,11 @@
       </a:defRPr>
     </a:lvl9pPr>
   </p:defaultTextStyle>
+  <p:extLst>
+    <p:ext uri="{EFAFB233-063F-42B5-8137-9DF3F51BA10A}">
+      <p15:sldGuideLst xmlns:p15="http://schemas.microsoft.com/office/powerpoint/2012/main"/>
+    </p:ext>
+  </p:extLst>
 </p:presentation>
 </file>
 
@@ -208,7 +213,7 @@
           <a:effectLst/>
           <a:extLst>
             <a:ext uri="{91240B29-F687-4f45-9708-019B960494DF}">
-              <a14:hiddenLine xmlns:a14="http://schemas.microsoft.com/office/drawing/2010/main" xmlns="" w="9525">
+              <a14:hiddenLine xmlns="" xmlns:a14="http://schemas.microsoft.com/office/drawing/2010/main" w="9525">
                 <a:solidFill>
                   <a:srgbClr val="000000"/>
                 </a:solidFill>
@@ -401,7 +406,7 @@
             <a:fld id="{08B9EBBA-996F-894A-B54A-D6246ED52CEA}" type="datetimeFigureOut">
               <a:rPr lang="en-US" dirty="0"/>
               <a:pPr/>
-              <a:t>2/21/2017</a:t>
+              <a:t>3/31/2017</a:t>
             </a:fld>
             <a:endParaRPr lang="en-US" dirty="0"/>
           </a:p>
@@ -716,7 +721,7 @@
             <a:fld id="{18C79C5D-2A6F-F04D-97DA-BEF2467B64E4}" type="datetimeFigureOut">
               <a:rPr lang="en-US" dirty="0"/>
               <a:pPr/>
-              <a:t>2/21/2017</a:t>
+              <a:t>3/31/2017</a:t>
             </a:fld>
             <a:endParaRPr lang="en-US" dirty="0"/>
           </a:p>
@@ -1201,7 +1206,7 @@
             <a:fld id="{8DFA1846-DA80-1C48-A609-854EA85C59AD}" type="datetimeFigureOut">
               <a:rPr lang="en-US" dirty="0"/>
               <a:pPr/>
-              <a:t>2/21/2017</a:t>
+              <a:t>3/31/2017</a:t>
             </a:fld>
             <a:endParaRPr lang="en-US" dirty="0"/>
           </a:p>
@@ -1567,7 +1572,7 @@
             <a:fld id="{FBF54567-0DE4-3F47-BF90-CB84690072F9}" type="datetimeFigureOut">
               <a:rPr lang="en-US" dirty="0"/>
               <a:pPr/>
-              <a:t>2/21/2017</a:t>
+              <a:t>3/31/2017</a:t>
             </a:fld>
             <a:endParaRPr lang="en-US" dirty="0"/>
           </a:p>
@@ -1718,7 +1723,7 @@
           <a:ln/>
           <a:extLst>
             <a:ext uri="{91240B29-F687-4f45-9708-019B960494DF}">
-              <a14:hiddenLine xmlns:a14="http://schemas.microsoft.com/office/drawing/2010/main" xmlns="" w="9525">
+              <a14:hiddenLine xmlns="" xmlns:a14="http://schemas.microsoft.com/office/drawing/2010/main" w="9525">
                 <a:solidFill>
                   <a:srgbClr val="000000"/>
                 </a:solidFill>
@@ -1837,7 +1842,7 @@
             <a:fld id="{C6C52C72-DE31-F449-A4ED-4C594FD91407}" type="datetimeFigureOut">
               <a:rPr lang="en-US" dirty="0"/>
               <a:pPr/>
-              <a:t>2/21/2017</a:t>
+              <a:t>3/31/2017</a:t>
             </a:fld>
             <a:endParaRPr lang="en-US" dirty="0"/>
           </a:p>
@@ -1990,7 +1995,7 @@
           <a:ln/>
           <a:extLst>
             <a:ext uri="{91240B29-F687-4f45-9708-019B960494DF}">
-              <a14:hiddenLine xmlns:a14="http://schemas.microsoft.com/office/drawing/2010/main" xmlns="" w="9525">
+              <a14:hiddenLine xmlns="" xmlns:a14="http://schemas.microsoft.com/office/drawing/2010/main" w="9525">
                 <a:solidFill>
                   <a:srgbClr val="000000"/>
                 </a:solidFill>
@@ -2119,7 +2124,7 @@
             <a:fld id="{ED62726E-379B-B349-9EED-81ED093FA806}" type="datetimeFigureOut">
               <a:rPr lang="en-US" dirty="0"/>
               <a:pPr/>
-              <a:t>2/21/2017</a:t>
+              <a:t>3/31/2017</a:t>
             </a:fld>
             <a:endParaRPr lang="en-US" dirty="0"/>
           </a:p>
@@ -2270,7 +2275,7 @@
           <a:ln/>
           <a:extLst>
             <a:ext uri="{91240B29-F687-4f45-9708-019B960494DF}">
-              <a14:hiddenLine xmlns:a14="http://schemas.microsoft.com/office/drawing/2010/main" xmlns="" w="9525">
+              <a14:hiddenLine xmlns="" xmlns:a14="http://schemas.microsoft.com/office/drawing/2010/main" w="9525">
                 <a:solidFill>
                   <a:srgbClr val="000000"/>
                 </a:solidFill>
@@ -2399,7 +2404,7 @@
             <a:fld id="{9B3A1323-8D79-1946-B0D7-40001CF92E9D}" type="datetimeFigureOut">
               <a:rPr lang="en-US" dirty="0"/>
               <a:pPr/>
-              <a:t>2/21/2017</a:t>
+              <a:t>3/31/2017</a:t>
             </a:fld>
             <a:endParaRPr lang="en-US" dirty="0"/>
           </a:p>
@@ -2739,7 +2744,7 @@
             <a:fld id="{8DFA1846-DA80-1C48-A609-854EA85C59AD}" type="datetimeFigureOut">
               <a:rPr lang="en-US" dirty="0"/>
               <a:pPr/>
-              <a:t>2/21/2017</a:t>
+              <a:t>3/31/2017</a:t>
             </a:fld>
             <a:endParaRPr lang="en-US" dirty="0"/>
           </a:p>
@@ -2890,7 +2895,7 @@
           <a:ln/>
           <a:extLst>
             <a:ext uri="{91240B29-F687-4f45-9708-019B960494DF}">
-              <a14:hiddenLine xmlns:a14="http://schemas.microsoft.com/office/drawing/2010/main" xmlns="" w="9525">
+              <a14:hiddenLine xmlns="" xmlns:a14="http://schemas.microsoft.com/office/drawing/2010/main" w="9525">
                 <a:solidFill>
                   <a:srgbClr val="000000"/>
                 </a:solidFill>
@@ -3075,7 +3080,7 @@
             <a:fld id="{57302355-E14B-8545-A8F8-0FE83CC9D524}" type="datetimeFigureOut">
               <a:rPr lang="en-US" dirty="0"/>
               <a:pPr/>
-              <a:t>2/21/2017</a:t>
+              <a:t>3/31/2017</a:t>
             </a:fld>
             <a:endParaRPr lang="en-US" dirty="0"/>
           </a:p>
@@ -3226,7 +3231,7 @@
           <a:ln/>
           <a:extLst>
             <a:ext uri="{91240B29-F687-4f45-9708-019B960494DF}">
-              <a14:hiddenLine xmlns:a14="http://schemas.microsoft.com/office/drawing/2010/main" xmlns="" w="9525">
+              <a14:hiddenLine xmlns="" xmlns:a14="http://schemas.microsoft.com/office/drawing/2010/main" w="9525">
                 <a:solidFill>
                   <a:srgbClr val="000000"/>
                 </a:solidFill>
@@ -3549,7 +3554,7 @@
             <a:fld id="{02640F58-564D-2B4F-AE67-E407BA4FCF45}" type="datetimeFigureOut">
               <a:rPr lang="en-US" dirty="0"/>
               <a:pPr/>
-              <a:t>2/21/2017</a:t>
+              <a:t>3/31/2017</a:t>
             </a:fld>
             <a:endParaRPr lang="en-US" dirty="0"/>
           </a:p>
@@ -3700,7 +3705,7 @@
           <a:ln/>
           <a:extLst>
             <a:ext uri="{91240B29-F687-4f45-9708-019B960494DF}">
-              <a14:hiddenLine xmlns:a14="http://schemas.microsoft.com/office/drawing/2010/main" xmlns="" w="9525">
+              <a14:hiddenLine xmlns="" xmlns:a14="http://schemas.microsoft.com/office/drawing/2010/main" w="9525">
                 <a:solidFill>
                   <a:srgbClr val="000000"/>
                 </a:solidFill>
@@ -3767,7 +3772,7 @@
             <a:fld id="{F13A34C8-038E-2045-AF43-DF7DBB8E0E9E}" type="datetimeFigureOut">
               <a:rPr lang="en-US" dirty="0"/>
               <a:pPr/>
-              <a:t>2/21/2017</a:t>
+              <a:t>3/31/2017</a:t>
             </a:fld>
             <a:endParaRPr lang="en-US" dirty="0"/>
           </a:p>
@@ -3859,7 +3864,7 @@
             <a:fld id="{8818C68F-D26B-8F47-958C-23B49CF8A634}" type="datetimeFigureOut">
               <a:rPr lang="en-US" dirty="0"/>
               <a:pPr/>
-              <a:t>2/21/2017</a:t>
+              <a:t>3/31/2017</a:t>
             </a:fld>
             <a:endParaRPr lang="en-US" dirty="0"/>
           </a:p>
@@ -4123,7 +4128,7 @@
           <a:ln/>
           <a:extLst>
             <a:ext uri="{91240B29-F687-4f45-9708-019B960494DF}">
-              <a14:hiddenLine xmlns:a14="http://schemas.microsoft.com/office/drawing/2010/main" xmlns="" w="9525">
+              <a14:hiddenLine xmlns="" xmlns:a14="http://schemas.microsoft.com/office/drawing/2010/main" w="9525">
                 <a:solidFill>
                   <a:srgbClr val="000000"/>
                 </a:solidFill>
@@ -4323,7 +4328,7 @@
             <a:fld id="{D0DF5E60-9974-AC48-9591-99C2BB44B7CF}" type="datetimeFigureOut">
               <a:rPr lang="en-US" dirty="0"/>
               <a:pPr/>
-              <a:t>2/21/2017</a:t>
+              <a:t>3/31/2017</a:t>
             </a:fld>
             <a:endParaRPr lang="en-US" dirty="0"/>
           </a:p>
@@ -4633,7 +4638,7 @@
             <a:fld id="{18C79C5D-2A6F-F04D-97DA-BEF2467B64E4}" type="datetimeFigureOut">
               <a:rPr lang="en-US" dirty="0"/>
               <a:pPr/>
-              <a:t>2/21/2017</a:t>
+              <a:t>3/31/2017</a:t>
             </a:fld>
             <a:endParaRPr lang="en-US" dirty="0"/>
           </a:p>
@@ -4900,7 +4905,7 @@
             <a:fld id="{09B482E8-6E0E-1B4F-B1FD-C69DB9E858D9}" type="datetimeFigureOut">
               <a:rPr lang="en-US" dirty="0"/>
               <a:pPr/>
-              <a:t>2/21/2017</a:t>
+              <a:t>3/31/2017</a:t>
             </a:fld>
             <a:endParaRPr lang="en-US" dirty="0"/>
           </a:p>
